--- a/Docs/AVX512-Opmask_RA-Masked_Operations_PPT_Intel_Alibaba_Weekly.pptx
+++ b/Docs/AVX512-Opmask_RA-Masked_Operations_PPT_Intel_Alibaba_Weekly.pptx
@@ -15,14 +15,13 @@
     <p:sldId id="263" r:id="rId12"/>
     <p:sldId id="264" r:id="rId13"/>
     <p:sldId id="265" r:id="rId14"/>
-    <p:sldId id="274" r:id="rId15"/>
-    <p:sldId id="266" r:id="rId16"/>
-    <p:sldId id="267" r:id="rId17"/>
-    <p:sldId id="270" r:id="rId18"/>
-    <p:sldId id="271" r:id="rId19"/>
-    <p:sldId id="272" r:id="rId20"/>
-    <p:sldId id="269" r:id="rId21"/>
-    <p:sldId id="273" r:id="rId22"/>
+    <p:sldId id="266" r:id="rId15"/>
+    <p:sldId id="267" r:id="rId16"/>
+    <p:sldId id="270" r:id="rId17"/>
+    <p:sldId id="271" r:id="rId18"/>
+    <p:sldId id="272" r:id="rId19"/>
+    <p:sldId id="269" r:id="rId20"/>
+    <p:sldId id="273" r:id="rId21"/>
   </p:sldIdLst>
   <p:sldSz cx="12192000" cy="6858000"/>
   <p:notesSz cx="6858000" cy="9144000"/>
@@ -127,7 +126,7 @@
 <file path=ppt/revisionInfo.xml><?xml version="1.0" encoding="utf-8"?>
 <p1510:revInfo xmlns:a="http://schemas.openxmlformats.org/drawingml/2006/main" xmlns:r="http://schemas.openxmlformats.org/officeDocument/2006/relationships" xmlns:p1510="http://schemas.microsoft.com/office/powerpoint/2015/10/main">
   <p1510:revLst>
-    <p1510:client id="{136D37D4-3945-4B49-BB96-DC9410FEF4AE}" v="6" dt="2021-01-20T00:49:50.424"/>
+    <p1510:client id="{03D90D95-A3CD-4F0C-B4A7-044AC6FC4989}" v="72" dt="2021-01-19T19:22:03.995"/>
   </p1510:revLst>
 </p1510:revInfo>
 </file>
@@ -136,34 +135,81 @@
 <pc:chgInfo xmlns:a="http://schemas.openxmlformats.org/drawingml/2006/main" xmlns:r="http://schemas.openxmlformats.org/officeDocument/2006/relationships" xmlns:ac="http://schemas.microsoft.com/office/drawing/2013/main/command" xmlns:pc="http://schemas.microsoft.com/office/powerpoint/2013/main/command">
   <pc:docChgLst>
     <pc:chgData name="Bhateja, Jatin" userId="98cda72f-634a-44b2-9235-c876d61a9fae" providerId="ADAL" clId="{03D90D95-A3CD-4F0C-B4A7-044AC6FC4989}"/>
-    <pc:docChg chg="undo custSel mod addSld modSld sldOrd">
-      <pc:chgData name="Bhateja, Jatin" userId="98cda72f-634a-44b2-9235-c876d61a9fae" providerId="ADAL" clId="{03D90D95-A3CD-4F0C-B4A7-044AC6FC4989}" dt="2021-01-20T00:50:41.251" v="359" actId="20577"/>
+    <pc:docChg chg="undo custSel mod addSld delSld modSld">
+      <pc:chgData name="Bhateja, Jatin" userId="98cda72f-634a-44b2-9235-c876d61a9fae" providerId="ADAL" clId="{03D90D95-A3CD-4F0C-B4A7-044AC6FC4989}" dt="2021-01-19T19:21:41.150" v="17257" actId="2"/>
       <pc:docMkLst>
         <pc:docMk/>
       </pc:docMkLst>
       <pc:sldChg chg="modSp">
-        <pc:chgData name="Bhateja, Jatin" userId="98cda72f-634a-44b2-9235-c876d61a9fae" providerId="ADAL" clId="{03D90D95-A3CD-4F0C-B4A7-044AC6FC4989}" dt="2021-01-20T00:31:48.030" v="32" actId="6549"/>
+        <pc:chgData name="Bhateja, Jatin" userId="98cda72f-634a-44b2-9235-c876d61a9fae" providerId="ADAL" clId="{03D90D95-A3CD-4F0C-B4A7-044AC6FC4989}" dt="2021-01-19T19:21:41.150" v="17257" actId="2"/>
         <pc:sldMkLst>
           <pc:docMk/>
           <pc:sldMk cId="2793517089" sldId="256"/>
         </pc:sldMkLst>
         <pc:spChg chg="mod">
-          <ac:chgData name="Bhateja, Jatin" userId="98cda72f-634a-44b2-9235-c876d61a9fae" providerId="ADAL" clId="{03D90D95-A3CD-4F0C-B4A7-044AC6FC4989}" dt="2021-01-20T00:31:48.030" v="32" actId="6549"/>
+          <ac:chgData name="Bhateja, Jatin" userId="98cda72f-634a-44b2-9235-c876d61a9fae" providerId="ADAL" clId="{03D90D95-A3CD-4F0C-B4A7-044AC6FC4989}" dt="2021-01-19T19:21:41.150" v="17257" actId="2"/>
           <ac:spMkLst>
             <pc:docMk/>
             <pc:sldMk cId="2793517089" sldId="256"/>
             <ac:spMk id="2" creationId="{3D167F5E-F9AD-4367-A902-DE7FB2AD6EAF}"/>
           </ac:spMkLst>
         </pc:spChg>
+        <pc:spChg chg="mod">
+          <ac:chgData name="Bhateja, Jatin" userId="98cda72f-634a-44b2-9235-c876d61a9fae" providerId="ADAL" clId="{03D90D95-A3CD-4F0C-B4A7-044AC6FC4989}" dt="2021-01-19T19:14:38.629" v="17235" actId="27636"/>
+          <ac:spMkLst>
+            <pc:docMk/>
+            <pc:sldMk cId="2793517089" sldId="256"/>
+            <ac:spMk id="3" creationId="{DA0774C9-F16B-410B-991A-DD80A1758E75}"/>
+          </ac:spMkLst>
+        </pc:spChg>
       </pc:sldChg>
-      <pc:sldChg chg="modSp">
-        <pc:chgData name="Bhateja, Jatin" userId="98cda72f-634a-44b2-9235-c876d61a9fae" providerId="ADAL" clId="{03D90D95-A3CD-4F0C-B4A7-044AC6FC4989}" dt="2021-01-20T00:34:35.059" v="38" actId="33524"/>
+      <pc:sldChg chg="addSp delSp modSp add">
+        <pc:chgData name="Bhateja, Jatin" userId="98cda72f-634a-44b2-9235-c876d61a9fae" providerId="ADAL" clId="{03D90D95-A3CD-4F0C-B4A7-044AC6FC4989}" dt="2021-01-19T15:53:41.825" v="443" actId="5793"/>
+        <pc:sldMkLst>
+          <pc:docMk/>
+          <pc:sldMk cId="1918985067" sldId="257"/>
+        </pc:sldMkLst>
+        <pc:spChg chg="mod">
+          <ac:chgData name="Bhateja, Jatin" userId="98cda72f-634a-44b2-9235-c876d61a9fae" providerId="ADAL" clId="{03D90D95-A3CD-4F0C-B4A7-044AC6FC4989}" dt="2021-01-19T15:50:59.303" v="13" actId="20577"/>
+          <ac:spMkLst>
+            <pc:docMk/>
+            <pc:sldMk cId="1918985067" sldId="257"/>
+            <ac:spMk id="2" creationId="{D7269648-4C58-42CE-9B90-B9D6267DCDD0}"/>
+          </ac:spMkLst>
+        </pc:spChg>
+        <pc:spChg chg="mod">
+          <ac:chgData name="Bhateja, Jatin" userId="98cda72f-634a-44b2-9235-c876d61a9fae" providerId="ADAL" clId="{03D90D95-A3CD-4F0C-B4A7-044AC6FC4989}" dt="2021-01-19T15:53:41.825" v="443" actId="5793"/>
+          <ac:spMkLst>
+            <pc:docMk/>
+            <pc:sldMk cId="1918985067" sldId="257"/>
+            <ac:spMk id="3" creationId="{2CC9D3E8-3D39-4145-B41A-82D6ADDE397E}"/>
+          </ac:spMkLst>
+        </pc:spChg>
+        <pc:graphicFrameChg chg="add del modGraphic">
+          <ac:chgData name="Bhateja, Jatin" userId="98cda72f-634a-44b2-9235-c876d61a9fae" providerId="ADAL" clId="{03D90D95-A3CD-4F0C-B4A7-044AC6FC4989}" dt="2021-01-19T15:50:51.956" v="3" actId="27309"/>
+          <ac:graphicFrameMkLst>
+            <pc:docMk/>
+            <pc:sldMk cId="1918985067" sldId="257"/>
+            <ac:graphicFrameMk id="5" creationId="{16D3FC07-CBAA-4385-A31E-528F00B29E19}"/>
+          </ac:graphicFrameMkLst>
+        </pc:graphicFrameChg>
+      </pc:sldChg>
+      <pc:sldChg chg="modSp add">
+        <pc:chgData name="Bhateja, Jatin" userId="98cda72f-634a-44b2-9235-c876d61a9fae" providerId="ADAL" clId="{03D90D95-A3CD-4F0C-B4A7-044AC6FC4989}" dt="2021-01-19T19:16:00.073" v="17243" actId="6549"/>
         <pc:sldMkLst>
           <pc:docMk/>
           <pc:sldMk cId="3271708602" sldId="258"/>
         </pc:sldMkLst>
         <pc:spChg chg="mod">
-          <ac:chgData name="Bhateja, Jatin" userId="98cda72f-634a-44b2-9235-c876d61a9fae" providerId="ADAL" clId="{03D90D95-A3CD-4F0C-B4A7-044AC6FC4989}" dt="2021-01-20T00:34:35.059" v="38" actId="33524"/>
+          <ac:chgData name="Bhateja, Jatin" userId="98cda72f-634a-44b2-9235-c876d61a9fae" providerId="ADAL" clId="{03D90D95-A3CD-4F0C-B4A7-044AC6FC4989}" dt="2021-01-19T16:15:10.704" v="1895" actId="20577"/>
+          <ac:spMkLst>
+            <pc:docMk/>
+            <pc:sldMk cId="3271708602" sldId="258"/>
+            <ac:spMk id="2" creationId="{2C6D2F34-53DF-466D-BD11-D177EAC4800E}"/>
+          </ac:spMkLst>
+        </pc:spChg>
+        <pc:spChg chg="mod">
+          <ac:chgData name="Bhateja, Jatin" userId="98cda72f-634a-44b2-9235-c876d61a9fae" providerId="ADAL" clId="{03D90D95-A3CD-4F0C-B4A7-044AC6FC4989}" dt="2021-01-19T19:16:00.073" v="17243" actId="6549"/>
           <ac:spMkLst>
             <pc:docMk/>
             <pc:sldMk cId="3271708602" sldId="258"/>
@@ -171,14 +217,45 @@
           </ac:spMkLst>
         </pc:spChg>
       </pc:sldChg>
-      <pc:sldChg chg="modSp">
-        <pc:chgData name="Bhateja, Jatin" userId="98cda72f-634a-44b2-9235-c876d61a9fae" providerId="ADAL" clId="{03D90D95-A3CD-4F0C-B4A7-044AC6FC4989}" dt="2021-01-20T00:36:27.159" v="48" actId="20577"/>
+      <pc:sldChg chg="modSp add">
+        <pc:chgData name="Bhateja, Jatin" userId="98cda72f-634a-44b2-9235-c876d61a9fae" providerId="ADAL" clId="{03D90D95-A3CD-4F0C-B4A7-044AC6FC4989}" dt="2021-01-19T19:17:29.586" v="17255" actId="27636"/>
+        <pc:sldMkLst>
+          <pc:docMk/>
+          <pc:sldMk cId="1194457871" sldId="259"/>
+        </pc:sldMkLst>
+        <pc:spChg chg="mod">
+          <ac:chgData name="Bhateja, Jatin" userId="98cda72f-634a-44b2-9235-c876d61a9fae" providerId="ADAL" clId="{03D90D95-A3CD-4F0C-B4A7-044AC6FC4989}" dt="2021-01-19T16:15:05.122" v="1893" actId="20577"/>
+          <ac:spMkLst>
+            <pc:docMk/>
+            <pc:sldMk cId="1194457871" sldId="259"/>
+            <ac:spMk id="2" creationId="{82611102-FB92-45F0-BD5D-ADD74056DB0B}"/>
+          </ac:spMkLst>
+        </pc:spChg>
+        <pc:spChg chg="mod">
+          <ac:chgData name="Bhateja, Jatin" userId="98cda72f-634a-44b2-9235-c876d61a9fae" providerId="ADAL" clId="{03D90D95-A3CD-4F0C-B4A7-044AC6FC4989}" dt="2021-01-19T19:17:29.586" v="17255" actId="27636"/>
+          <ac:spMkLst>
+            <pc:docMk/>
+            <pc:sldMk cId="1194457871" sldId="259"/>
+            <ac:spMk id="3" creationId="{8C975460-331E-4949-8DF5-1A131E0865A3}"/>
+          </ac:spMkLst>
+        </pc:spChg>
+      </pc:sldChg>
+      <pc:sldChg chg="modSp add">
+        <pc:chgData name="Bhateja, Jatin" userId="98cda72f-634a-44b2-9235-c876d61a9fae" providerId="ADAL" clId="{03D90D95-A3CD-4F0C-B4A7-044AC6FC4989}" dt="2021-01-19T16:50:32.284" v="6272" actId="20577"/>
         <pc:sldMkLst>
           <pc:docMk/>
           <pc:sldMk cId="2213808729" sldId="260"/>
         </pc:sldMkLst>
         <pc:spChg chg="mod">
-          <ac:chgData name="Bhateja, Jatin" userId="98cda72f-634a-44b2-9235-c876d61a9fae" providerId="ADAL" clId="{03D90D95-A3CD-4F0C-B4A7-044AC6FC4989}" dt="2021-01-20T00:36:27.159" v="48" actId="20577"/>
+          <ac:chgData name="Bhateja, Jatin" userId="98cda72f-634a-44b2-9235-c876d61a9fae" providerId="ADAL" clId="{03D90D95-A3CD-4F0C-B4A7-044AC6FC4989}" dt="2021-01-19T16:24:27.972" v="3098" actId="20577"/>
+          <ac:spMkLst>
+            <pc:docMk/>
+            <pc:sldMk cId="2213808729" sldId="260"/>
+            <ac:spMk id="2" creationId="{7163FC55-6499-4D56-8A25-A2838C832513}"/>
+          </ac:spMkLst>
+        </pc:spChg>
+        <pc:spChg chg="mod">
+          <ac:chgData name="Bhateja, Jatin" userId="98cda72f-634a-44b2-9235-c876d61a9fae" providerId="ADAL" clId="{03D90D95-A3CD-4F0C-B4A7-044AC6FC4989}" dt="2021-01-19T16:50:32.284" v="6272" actId="20577"/>
           <ac:spMkLst>
             <pc:docMk/>
             <pc:sldMk cId="2213808729" sldId="260"/>
@@ -186,14 +263,45 @@
           </ac:spMkLst>
         </pc:spChg>
       </pc:sldChg>
-      <pc:sldChg chg="modSp">
-        <pc:chgData name="Bhateja, Jatin" userId="98cda72f-634a-44b2-9235-c876d61a9fae" providerId="ADAL" clId="{03D90D95-A3CD-4F0C-B4A7-044AC6FC4989}" dt="2021-01-20T00:39:16.138" v="54" actId="20577"/>
+      <pc:sldChg chg="modSp add">
+        <pc:chgData name="Bhateja, Jatin" userId="98cda72f-634a-44b2-9235-c876d61a9fae" providerId="ADAL" clId="{03D90D95-A3CD-4F0C-B4A7-044AC6FC4989}" dt="2021-01-19T19:19:12.180" v="17256" actId="20577"/>
+        <pc:sldMkLst>
+          <pc:docMk/>
+          <pc:sldMk cId="845190633" sldId="261"/>
+        </pc:sldMkLst>
+        <pc:spChg chg="mod">
+          <ac:chgData name="Bhateja, Jatin" userId="98cda72f-634a-44b2-9235-c876d61a9fae" providerId="ADAL" clId="{03D90D95-A3CD-4F0C-B4A7-044AC6FC4989}" dt="2021-01-19T16:32:54.950" v="4298" actId="20577"/>
+          <ac:spMkLst>
+            <pc:docMk/>
+            <pc:sldMk cId="845190633" sldId="261"/>
+            <ac:spMk id="2" creationId="{D65886B4-8B15-4ABD-818B-F46861C0D4DD}"/>
+          </ac:spMkLst>
+        </pc:spChg>
+        <pc:spChg chg="mod">
+          <ac:chgData name="Bhateja, Jatin" userId="98cda72f-634a-44b2-9235-c876d61a9fae" providerId="ADAL" clId="{03D90D95-A3CD-4F0C-B4A7-044AC6FC4989}" dt="2021-01-19T19:19:12.180" v="17256" actId="20577"/>
+          <ac:spMkLst>
+            <pc:docMk/>
+            <pc:sldMk cId="845190633" sldId="261"/>
+            <ac:spMk id="3" creationId="{65231D73-E56B-423F-A324-F41298F707C6}"/>
+          </ac:spMkLst>
+        </pc:spChg>
+      </pc:sldChg>
+      <pc:sldChg chg="modSp add">
+        <pc:chgData name="Bhateja, Jatin" userId="98cda72f-634a-44b2-9235-c876d61a9fae" providerId="ADAL" clId="{03D90D95-A3CD-4F0C-B4A7-044AC6FC4989}" dt="2021-01-19T17:20:22.948" v="9139" actId="6549"/>
         <pc:sldMkLst>
           <pc:docMk/>
           <pc:sldMk cId="1554448060" sldId="262"/>
         </pc:sldMkLst>
         <pc:spChg chg="mod">
-          <ac:chgData name="Bhateja, Jatin" userId="98cda72f-634a-44b2-9235-c876d61a9fae" providerId="ADAL" clId="{03D90D95-A3CD-4F0C-B4A7-044AC6FC4989}" dt="2021-01-20T00:39:16.138" v="54" actId="20577"/>
+          <ac:chgData name="Bhateja, Jatin" userId="98cda72f-634a-44b2-9235-c876d61a9fae" providerId="ADAL" clId="{03D90D95-A3CD-4F0C-B4A7-044AC6FC4989}" dt="2021-01-19T16:57:51.681" v="7110"/>
+          <ac:spMkLst>
+            <pc:docMk/>
+            <pc:sldMk cId="1554448060" sldId="262"/>
+            <ac:spMk id="2" creationId="{51842886-B4B9-465F-95D2-8323DBBFB6D3}"/>
+          </ac:spMkLst>
+        </pc:spChg>
+        <pc:spChg chg="mod">
+          <ac:chgData name="Bhateja, Jatin" userId="98cda72f-634a-44b2-9235-c876d61a9fae" providerId="ADAL" clId="{03D90D95-A3CD-4F0C-B4A7-044AC6FC4989}" dt="2021-01-19T17:20:22.948" v="9139" actId="6549"/>
           <ac:spMkLst>
             <pc:docMk/>
             <pc:sldMk cId="1554448060" sldId="262"/>
@@ -201,14 +309,68 @@
           </ac:spMkLst>
         </pc:spChg>
       </pc:sldChg>
-      <pc:sldChg chg="modSp">
-        <pc:chgData name="Bhateja, Jatin" userId="98cda72f-634a-44b2-9235-c876d61a9fae" providerId="ADAL" clId="{03D90D95-A3CD-4F0C-B4A7-044AC6FC4989}" dt="2021-01-20T00:50:41.251" v="359" actId="20577"/>
+      <pc:sldChg chg="modSp add">
+        <pc:chgData name="Bhateja, Jatin" userId="98cda72f-634a-44b2-9235-c876d61a9fae" providerId="ADAL" clId="{03D90D95-A3CD-4F0C-B4A7-044AC6FC4989}" dt="2021-01-19T17:32:24.425" v="10190" actId="6549"/>
+        <pc:sldMkLst>
+          <pc:docMk/>
+          <pc:sldMk cId="1726658070" sldId="263"/>
+        </pc:sldMkLst>
+        <pc:spChg chg="mod">
+          <ac:chgData name="Bhateja, Jatin" userId="98cda72f-634a-44b2-9235-c876d61a9fae" providerId="ADAL" clId="{03D90D95-A3CD-4F0C-B4A7-044AC6FC4989}" dt="2021-01-19T17:21:13.212" v="9142" actId="27636"/>
+          <ac:spMkLst>
+            <pc:docMk/>
+            <pc:sldMk cId="1726658070" sldId="263"/>
+            <ac:spMk id="2" creationId="{FE66DDE4-8DE4-45CF-B48F-C690E0F54837}"/>
+          </ac:spMkLst>
+        </pc:spChg>
+        <pc:spChg chg="mod">
+          <ac:chgData name="Bhateja, Jatin" userId="98cda72f-634a-44b2-9235-c876d61a9fae" providerId="ADAL" clId="{03D90D95-A3CD-4F0C-B4A7-044AC6FC4989}" dt="2021-01-19T17:32:24.425" v="10190" actId="6549"/>
+          <ac:spMkLst>
+            <pc:docMk/>
+            <pc:sldMk cId="1726658070" sldId="263"/>
+            <ac:spMk id="3" creationId="{606B2B79-9D4A-4BCC-8897-530EB6313B0B}"/>
+          </ac:spMkLst>
+        </pc:spChg>
+      </pc:sldChg>
+      <pc:sldChg chg="modSp add">
+        <pc:chgData name="Bhateja, Jatin" userId="98cda72f-634a-44b2-9235-c876d61a9fae" providerId="ADAL" clId="{03D90D95-A3CD-4F0C-B4A7-044AC6FC4989}" dt="2021-01-19T18:17:42.026" v="13134" actId="20577"/>
+        <pc:sldMkLst>
+          <pc:docMk/>
+          <pc:sldMk cId="1823011721" sldId="264"/>
+        </pc:sldMkLst>
+        <pc:spChg chg="mod">
+          <ac:chgData name="Bhateja, Jatin" userId="98cda72f-634a-44b2-9235-c876d61a9fae" providerId="ADAL" clId="{03D90D95-A3CD-4F0C-B4A7-044AC6FC4989}" dt="2021-01-19T17:33:09.417" v="10222" actId="20577"/>
+          <ac:spMkLst>
+            <pc:docMk/>
+            <pc:sldMk cId="1823011721" sldId="264"/>
+            <ac:spMk id="2" creationId="{DDCC78E0-75E2-4D74-84A1-DFEDE6E61AC1}"/>
+          </ac:spMkLst>
+        </pc:spChg>
+        <pc:spChg chg="mod">
+          <ac:chgData name="Bhateja, Jatin" userId="98cda72f-634a-44b2-9235-c876d61a9fae" providerId="ADAL" clId="{03D90D95-A3CD-4F0C-B4A7-044AC6FC4989}" dt="2021-01-19T18:17:42.026" v="13134" actId="20577"/>
+          <ac:spMkLst>
+            <pc:docMk/>
+            <pc:sldMk cId="1823011721" sldId="264"/>
+            <ac:spMk id="3" creationId="{B7089AE6-99E0-4430-866C-8E12EE9402F9}"/>
+          </ac:spMkLst>
+        </pc:spChg>
+      </pc:sldChg>
+      <pc:sldChg chg="modSp add">
+        <pc:chgData name="Bhateja, Jatin" userId="98cda72f-634a-44b2-9235-c876d61a9fae" providerId="ADAL" clId="{03D90D95-A3CD-4F0C-B4A7-044AC6FC4989}" dt="2021-01-19T18:47:12.302" v="16372" actId="20577"/>
         <pc:sldMkLst>
           <pc:docMk/>
           <pc:sldMk cId="2282598571" sldId="265"/>
         </pc:sldMkLst>
         <pc:spChg chg="mod">
-          <ac:chgData name="Bhateja, Jatin" userId="98cda72f-634a-44b2-9235-c876d61a9fae" providerId="ADAL" clId="{03D90D95-A3CD-4F0C-B4A7-044AC6FC4989}" dt="2021-01-20T00:50:41.251" v="359" actId="20577"/>
+          <ac:chgData name="Bhateja, Jatin" userId="98cda72f-634a-44b2-9235-c876d61a9fae" providerId="ADAL" clId="{03D90D95-A3CD-4F0C-B4A7-044AC6FC4989}" dt="2021-01-19T17:54:15.068" v="12707" actId="20577"/>
+          <ac:spMkLst>
+            <pc:docMk/>
+            <pc:sldMk cId="2282598571" sldId="265"/>
+            <ac:spMk id="2" creationId="{032599BD-D635-46A1-AAC4-06C96D98C647}"/>
+          </ac:spMkLst>
+        </pc:spChg>
+        <pc:spChg chg="mod">
+          <ac:chgData name="Bhateja, Jatin" userId="98cda72f-634a-44b2-9235-c876d61a9fae" providerId="ADAL" clId="{03D90D95-A3CD-4F0C-B4A7-044AC6FC4989}" dt="2021-01-19T18:47:12.302" v="16372" actId="20577"/>
           <ac:spMkLst>
             <pc:docMk/>
             <pc:sldMk cId="2282598571" sldId="265"/>
@@ -216,84 +378,389 @@
           </ac:spMkLst>
         </pc:spChg>
       </pc:sldChg>
-      <pc:sldChg chg="addSp modSp add mod ord setBg">
-        <pc:chgData name="Bhateja, Jatin" userId="98cda72f-634a-44b2-9235-c876d61a9fae" providerId="ADAL" clId="{03D90D95-A3CD-4F0C-B4A7-044AC6FC4989}" dt="2021-01-20T00:49:50.424" v="357"/>
+      <pc:sldChg chg="addSp delSp modSp add mod setBg">
+        <pc:chgData name="Bhateja, Jatin" userId="98cda72f-634a-44b2-9235-c876d61a9fae" providerId="ADAL" clId="{03D90D95-A3CD-4F0C-B4A7-044AC6FC4989}" dt="2021-01-19T18:51:57.280" v="16400" actId="1076"/>
         <pc:sldMkLst>
           <pc:docMk/>
-          <pc:sldMk cId="1495237266" sldId="274"/>
+          <pc:sldMk cId="485767964" sldId="266"/>
         </pc:sldMkLst>
         <pc:spChg chg="mod">
-          <ac:chgData name="Bhateja, Jatin" userId="98cda72f-634a-44b2-9235-c876d61a9fae" providerId="ADAL" clId="{03D90D95-A3CD-4F0C-B4A7-044AC6FC4989}" dt="2021-01-20T00:45:49.424" v="126" actId="20577"/>
+          <ac:chgData name="Bhateja, Jatin" userId="98cda72f-634a-44b2-9235-c876d61a9fae" providerId="ADAL" clId="{03D90D95-A3CD-4F0C-B4A7-044AC6FC4989}" dt="2021-01-19T18:50:29.530" v="16392" actId="26606"/>
           <ac:spMkLst>
             <pc:docMk/>
-            <pc:sldMk cId="1495237266" sldId="274"/>
-            <ac:spMk id="2" creationId="{DEF0462B-ACD7-4F9E-9E9D-8B6D2553086A}"/>
+            <pc:sldMk cId="485767964" sldId="266"/>
+            <ac:spMk id="2" creationId="{F6AF2B28-EE14-4FAC-A2C9-41CF7D58EE04}"/>
+          </ac:spMkLst>
+        </pc:spChg>
+        <pc:spChg chg="del">
+          <ac:chgData name="Bhateja, Jatin" userId="98cda72f-634a-44b2-9235-c876d61a9fae" providerId="ADAL" clId="{03D90D95-A3CD-4F0C-B4A7-044AC6FC4989}" dt="2021-01-19T18:49:51.900" v="16389"/>
+          <ac:spMkLst>
+            <pc:docMk/>
+            <pc:sldMk cId="485767964" sldId="266"/>
+            <ac:spMk id="3" creationId="{232AB272-97B5-4ECE-8671-86DF2440EEF6}"/>
+          </ac:spMkLst>
+        </pc:spChg>
+        <pc:spChg chg="add del mod">
+          <ac:chgData name="Bhateja, Jatin" userId="98cda72f-634a-44b2-9235-c876d61a9fae" providerId="ADAL" clId="{03D90D95-A3CD-4F0C-B4A7-044AC6FC4989}" dt="2021-01-19T18:51:15.568" v="16395"/>
+          <ac:spMkLst>
+            <pc:docMk/>
+            <pc:sldMk cId="485767964" sldId="266"/>
+            <ac:spMk id="8" creationId="{93673CC8-9089-4EF5-9C6C-122D6D279E6E}"/>
+          </ac:spMkLst>
+        </pc:spChg>
+        <pc:spChg chg="add del">
+          <ac:chgData name="Bhateja, Jatin" userId="98cda72f-634a-44b2-9235-c876d61a9fae" providerId="ADAL" clId="{03D90D95-A3CD-4F0C-B4A7-044AC6FC4989}" dt="2021-01-19T18:51:45.932" v="16398" actId="26606"/>
+          <ac:spMkLst>
+            <pc:docMk/>
+            <pc:sldMk cId="485767964" sldId="266"/>
+            <ac:spMk id="11" creationId="{7316481C-0A49-4796-812B-0D64F063B720}"/>
+          </ac:spMkLst>
+        </pc:spChg>
+        <pc:spChg chg="add del">
+          <ac:chgData name="Bhateja, Jatin" userId="98cda72f-634a-44b2-9235-c876d61a9fae" providerId="ADAL" clId="{03D90D95-A3CD-4F0C-B4A7-044AC6FC4989}" dt="2021-01-19T18:51:45.932" v="16398" actId="26606"/>
+          <ac:spMkLst>
+            <pc:docMk/>
+            <pc:sldMk cId="485767964" sldId="266"/>
+            <ac:spMk id="13" creationId="{A5271697-90F1-4A23-8EF2-0179F2EAFACB}"/>
+          </ac:spMkLst>
+        </pc:spChg>
+        <pc:spChg chg="add del">
+          <ac:chgData name="Bhateja, Jatin" userId="98cda72f-634a-44b2-9235-c876d61a9fae" providerId="ADAL" clId="{03D90D95-A3CD-4F0C-B4A7-044AC6FC4989}" dt="2021-01-19T18:51:45.932" v="16398" actId="26606"/>
+          <ac:spMkLst>
+            <pc:docMk/>
+            <pc:sldMk cId="485767964" sldId="266"/>
+            <ac:spMk id="37" creationId="{D9F5512A-48E1-4C07-B75E-3CCC517B6804}"/>
+          </ac:spMkLst>
+        </pc:spChg>
+        <pc:spChg chg="add">
+          <ac:chgData name="Bhateja, Jatin" userId="98cda72f-634a-44b2-9235-c876d61a9fae" providerId="ADAL" clId="{03D90D95-A3CD-4F0C-B4A7-044AC6FC4989}" dt="2021-01-19T18:51:45.932" v="16398" actId="26606"/>
+          <ac:spMkLst>
+            <pc:docMk/>
+            <pc:sldMk cId="485767964" sldId="266"/>
+            <ac:spMk id="42" creationId="{7316481C-0A49-4796-812B-0D64F063B720}"/>
+          </ac:spMkLst>
+        </pc:spChg>
+        <pc:spChg chg="add">
+          <ac:chgData name="Bhateja, Jatin" userId="98cda72f-634a-44b2-9235-c876d61a9fae" providerId="ADAL" clId="{03D90D95-A3CD-4F0C-B4A7-044AC6FC4989}" dt="2021-01-19T18:51:45.932" v="16398" actId="26606"/>
+          <ac:spMkLst>
+            <pc:docMk/>
+            <pc:sldMk cId="485767964" sldId="266"/>
+            <ac:spMk id="44" creationId="{A5271697-90F1-4A23-8EF2-0179F2EAFACB}"/>
+          </ac:spMkLst>
+        </pc:spChg>
+        <pc:spChg chg="add">
+          <ac:chgData name="Bhateja, Jatin" userId="98cda72f-634a-44b2-9235-c876d61a9fae" providerId="ADAL" clId="{03D90D95-A3CD-4F0C-B4A7-044AC6FC4989}" dt="2021-01-19T18:51:45.932" v="16398" actId="26606"/>
+          <ac:spMkLst>
+            <pc:docMk/>
+            <pc:sldMk cId="485767964" sldId="266"/>
+            <ac:spMk id="68" creationId="{D9F5512A-48E1-4C07-B75E-3CCC517B6804}"/>
+          </ac:spMkLst>
+        </pc:spChg>
+        <pc:grpChg chg="add del">
+          <ac:chgData name="Bhateja, Jatin" userId="98cda72f-634a-44b2-9235-c876d61a9fae" providerId="ADAL" clId="{03D90D95-A3CD-4F0C-B4A7-044AC6FC4989}" dt="2021-01-19T18:51:45.932" v="16398" actId="26606"/>
+          <ac:grpSpMkLst>
+            <pc:docMk/>
+            <pc:sldMk cId="485767964" sldId="266"/>
+            <ac:grpSpMk id="15" creationId="{1F49CE81-B2F4-47B2-9D4A-886DCE0A8404}"/>
+          </ac:grpSpMkLst>
+        </pc:grpChg>
+        <pc:grpChg chg="add">
+          <ac:chgData name="Bhateja, Jatin" userId="98cda72f-634a-44b2-9235-c876d61a9fae" providerId="ADAL" clId="{03D90D95-A3CD-4F0C-B4A7-044AC6FC4989}" dt="2021-01-19T18:51:45.932" v="16398" actId="26606"/>
+          <ac:grpSpMkLst>
+            <pc:docMk/>
+            <pc:sldMk cId="485767964" sldId="266"/>
+            <ac:grpSpMk id="46" creationId="{1F49CE81-B2F4-47B2-9D4A-886DCE0A8404}"/>
+          </ac:grpSpMkLst>
+        </pc:grpChg>
+        <pc:picChg chg="add mod">
+          <ac:chgData name="Bhateja, Jatin" userId="98cda72f-634a-44b2-9235-c876d61a9fae" providerId="ADAL" clId="{03D90D95-A3CD-4F0C-B4A7-044AC6FC4989}" dt="2021-01-19T18:51:55.892" v="16399" actId="14100"/>
+          <ac:picMkLst>
+            <pc:docMk/>
+            <pc:sldMk cId="485767964" sldId="266"/>
+            <ac:picMk id="4" creationId="{F4E7B046-3057-4C37-89FC-13F6C45CD760}"/>
+          </ac:picMkLst>
+        </pc:picChg>
+        <pc:picChg chg="add del mod">
+          <ac:chgData name="Bhateja, Jatin" userId="98cda72f-634a-44b2-9235-c876d61a9fae" providerId="ADAL" clId="{03D90D95-A3CD-4F0C-B4A7-044AC6FC4989}" dt="2021-01-19T18:50:42.452" v="16394" actId="478"/>
+          <ac:picMkLst>
+            <pc:docMk/>
+            <pc:sldMk cId="485767964" sldId="266"/>
+            <ac:picMk id="5" creationId="{4948890C-498B-429C-97DA-E66B023A8DA1}"/>
+          </ac:picMkLst>
+        </pc:picChg>
+        <pc:picChg chg="add del mod">
+          <ac:chgData name="Bhateja, Jatin" userId="98cda72f-634a-44b2-9235-c876d61a9fae" providerId="ADAL" clId="{03D90D95-A3CD-4F0C-B4A7-044AC6FC4989}" dt="2021-01-19T18:51:17.505" v="16396" actId="478"/>
+          <ac:picMkLst>
+            <pc:docMk/>
+            <pc:sldMk cId="485767964" sldId="266"/>
+            <ac:picMk id="6" creationId="{33679551-D6B3-4BF6-BD59-94F9224D673B}"/>
+          </ac:picMkLst>
+        </pc:picChg>
+        <pc:picChg chg="add mod ord">
+          <ac:chgData name="Bhateja, Jatin" userId="98cda72f-634a-44b2-9235-c876d61a9fae" providerId="ADAL" clId="{03D90D95-A3CD-4F0C-B4A7-044AC6FC4989}" dt="2021-01-19T18:51:57.280" v="16400" actId="1076"/>
+          <ac:picMkLst>
+            <pc:docMk/>
+            <pc:sldMk cId="485767964" sldId="266"/>
+            <ac:picMk id="9" creationId="{E8B8C850-5488-483C-95D6-729FFCEDAC78}"/>
+          </ac:picMkLst>
+        </pc:picChg>
+        <pc:picChg chg="add mod">
+          <ac:chgData name="Bhateja, Jatin" userId="98cda72f-634a-44b2-9235-c876d61a9fae" providerId="ADAL" clId="{03D90D95-A3CD-4F0C-B4A7-044AC6FC4989}" dt="2021-01-19T18:51:45.932" v="16398" actId="26606"/>
+          <ac:picMkLst>
+            <pc:docMk/>
+            <pc:sldMk cId="485767964" sldId="266"/>
+            <ac:picMk id="10" creationId="{966E4062-B07B-4C65-A0EA-EA1E23F4CF18}"/>
+          </ac:picMkLst>
+        </pc:picChg>
+      </pc:sldChg>
+      <pc:sldChg chg="addSp delSp modSp add mod setBg">
+        <pc:chgData name="Bhateja, Jatin" userId="98cda72f-634a-44b2-9235-c876d61a9fae" providerId="ADAL" clId="{03D90D95-A3CD-4F0C-B4A7-044AC6FC4989}" dt="2021-01-19T18:56:20.293" v="16417" actId="14100"/>
+        <pc:sldMkLst>
+          <pc:docMk/>
+          <pc:sldMk cId="2976145311" sldId="267"/>
+        </pc:sldMkLst>
+        <pc:spChg chg="del mod">
+          <ac:chgData name="Bhateja, Jatin" userId="98cda72f-634a-44b2-9235-c876d61a9fae" providerId="ADAL" clId="{03D90D95-A3CD-4F0C-B4A7-044AC6FC4989}" dt="2021-01-19T18:54:46.864" v="16407" actId="478"/>
+          <ac:spMkLst>
+            <pc:docMk/>
+            <pc:sldMk cId="2976145311" sldId="267"/>
+            <ac:spMk id="2" creationId="{DE201AAD-05C6-4EB5-B20D-44608005C53F}"/>
+          </ac:spMkLst>
+        </pc:spChg>
+        <pc:spChg chg="del">
+          <ac:chgData name="Bhateja, Jatin" userId="98cda72f-634a-44b2-9235-c876d61a9fae" providerId="ADAL" clId="{03D90D95-A3CD-4F0C-B4A7-044AC6FC4989}" dt="2021-01-19T18:54:19.397" v="16402"/>
+          <ac:spMkLst>
+            <pc:docMk/>
+            <pc:sldMk cId="2976145311" sldId="267"/>
+            <ac:spMk id="3" creationId="{3DD10003-E0A6-4BDE-A877-029DC6079905}"/>
+          </ac:spMkLst>
+        </pc:spChg>
+        <pc:spChg chg="add del">
+          <ac:chgData name="Bhateja, Jatin" userId="98cda72f-634a-44b2-9235-c876d61a9fae" providerId="ADAL" clId="{03D90D95-A3CD-4F0C-B4A7-044AC6FC4989}" dt="2021-01-19T18:54:50.746" v="16408" actId="478"/>
+          <ac:spMkLst>
+            <pc:docMk/>
+            <pc:sldMk cId="2976145311" sldId="267"/>
+            <ac:spMk id="8" creationId="{1DFA30B0-5B74-4E32-BD72-9EEF5434806B}"/>
+          </ac:spMkLst>
+        </pc:spChg>
+        <pc:spChg chg="add del">
+          <ac:chgData name="Bhateja, Jatin" userId="98cda72f-634a-44b2-9235-c876d61a9fae" providerId="ADAL" clId="{03D90D95-A3CD-4F0C-B4A7-044AC6FC4989}" dt="2021-01-19T18:54:28.069" v="16404" actId="26606"/>
+          <ac:spMkLst>
+            <pc:docMk/>
+            <pc:sldMk cId="2976145311" sldId="267"/>
+            <ac:spMk id="9" creationId="{D35D61A1-8484-4749-8AD0-A3455E0753C5}"/>
+          </ac:spMkLst>
+        </pc:spChg>
+        <pc:spChg chg="add del">
+          <ac:chgData name="Bhateja, Jatin" userId="98cda72f-634a-44b2-9235-c876d61a9fae" providerId="ADAL" clId="{03D90D95-A3CD-4F0C-B4A7-044AC6FC4989}" dt="2021-01-19T18:54:28.069" v="16404" actId="26606"/>
+          <ac:spMkLst>
+            <pc:docMk/>
+            <pc:sldMk cId="2976145311" sldId="267"/>
+            <ac:spMk id="11" creationId="{1447903E-2B66-479D-959B-F2EBB2CC901F}"/>
+          </ac:spMkLst>
+        </pc:spChg>
+        <pc:spChg chg="add">
+          <ac:chgData name="Bhateja, Jatin" userId="98cda72f-634a-44b2-9235-c876d61a9fae" providerId="ADAL" clId="{03D90D95-A3CD-4F0C-B4A7-044AC6FC4989}" dt="2021-01-19T18:54:28.088" v="16405" actId="26606"/>
+          <ac:spMkLst>
+            <pc:docMk/>
+            <pc:sldMk cId="2976145311" sldId="267"/>
+            <ac:spMk id="13" creationId="{A7457DD9-5A45-400A-AB4B-4B4EDECA25F1}"/>
+          </ac:spMkLst>
+        </pc:spChg>
+        <pc:spChg chg="add">
+          <ac:chgData name="Bhateja, Jatin" userId="98cda72f-634a-44b2-9235-c876d61a9fae" providerId="ADAL" clId="{03D90D95-A3CD-4F0C-B4A7-044AC6FC4989}" dt="2021-01-19T18:54:28.088" v="16405" actId="26606"/>
+          <ac:spMkLst>
+            <pc:docMk/>
+            <pc:sldMk cId="2976145311" sldId="267"/>
+            <ac:spMk id="14" creationId="{B082622D-AAF3-4897-8629-FC918530DD86}"/>
+          </ac:spMkLst>
+        </pc:spChg>
+        <pc:spChg chg="add">
+          <ac:chgData name="Bhateja, Jatin" userId="98cda72f-634a-44b2-9235-c876d61a9fae" providerId="ADAL" clId="{03D90D95-A3CD-4F0C-B4A7-044AC6FC4989}" dt="2021-01-19T18:54:28.088" v="16405" actId="26606"/>
+          <ac:spMkLst>
+            <pc:docMk/>
+            <pc:sldMk cId="2976145311" sldId="267"/>
+            <ac:spMk id="15" creationId="{441CF7D6-A660-431A-B0BB-140A0D5556B6}"/>
+          </ac:spMkLst>
+        </pc:spChg>
+        <pc:spChg chg="add">
+          <ac:chgData name="Bhateja, Jatin" userId="98cda72f-634a-44b2-9235-c876d61a9fae" providerId="ADAL" clId="{03D90D95-A3CD-4F0C-B4A7-044AC6FC4989}" dt="2021-01-19T18:54:28.088" v="16405" actId="26606"/>
+          <ac:spMkLst>
+            <pc:docMk/>
+            <pc:sldMk cId="2976145311" sldId="267"/>
+            <ac:spMk id="17" creationId="{0570A85B-3810-4F95-97B0-CBF4CCDB381C}"/>
+          </ac:spMkLst>
+        </pc:spChg>
+        <pc:picChg chg="add mod">
+          <ac:chgData name="Bhateja, Jatin" userId="98cda72f-634a-44b2-9235-c876d61a9fae" providerId="ADAL" clId="{03D90D95-A3CD-4F0C-B4A7-044AC6FC4989}" dt="2021-01-19T18:56:20.293" v="16417" actId="14100"/>
+          <ac:picMkLst>
+            <pc:docMk/>
+            <pc:sldMk cId="2976145311" sldId="267"/>
+            <ac:picMk id="4" creationId="{456FD257-692E-4588-AF12-A333E0B1EFD9}"/>
+          </ac:picMkLst>
+        </pc:picChg>
+      </pc:sldChg>
+      <pc:sldChg chg="add del">
+        <pc:chgData name="Bhateja, Jatin" userId="98cda72f-634a-44b2-9235-c876d61a9fae" providerId="ADAL" clId="{03D90D95-A3CD-4F0C-B4A7-044AC6FC4989}" dt="2021-01-19T18:59:17.319" v="16433" actId="2696"/>
+        <pc:sldMkLst>
+          <pc:docMk/>
+          <pc:sldMk cId="4251539427" sldId="268"/>
+        </pc:sldMkLst>
+      </pc:sldChg>
+      <pc:sldChg chg="modSp add">
+        <pc:chgData name="Bhateja, Jatin" userId="98cda72f-634a-44b2-9235-c876d61a9fae" providerId="ADAL" clId="{03D90D95-A3CD-4F0C-B4A7-044AC6FC4989}" dt="2021-01-19T19:13:10.024" v="17209" actId="5793"/>
+        <pc:sldMkLst>
+          <pc:docMk/>
+          <pc:sldMk cId="639340233" sldId="269"/>
+        </pc:sldMkLst>
+        <pc:spChg chg="mod">
+          <ac:chgData name="Bhateja, Jatin" userId="98cda72f-634a-44b2-9235-c876d61a9fae" providerId="ADAL" clId="{03D90D95-A3CD-4F0C-B4A7-044AC6FC4989}" dt="2021-01-19T19:03:14.612" v="16479" actId="20577"/>
+          <ac:spMkLst>
+            <pc:docMk/>
+            <pc:sldMk cId="639340233" sldId="269"/>
+            <ac:spMk id="2" creationId="{43F13519-9734-4656-8774-0DD2EA0A1E23}"/>
           </ac:spMkLst>
         </pc:spChg>
         <pc:spChg chg="mod">
-          <ac:chgData name="Bhateja, Jatin" userId="98cda72f-634a-44b2-9235-c876d61a9fae" providerId="ADAL" clId="{03D90D95-A3CD-4F0C-B4A7-044AC6FC4989}" dt="2021-01-20T00:48:14.788" v="355" actId="20577"/>
+          <ac:chgData name="Bhateja, Jatin" userId="98cda72f-634a-44b2-9235-c876d61a9fae" providerId="ADAL" clId="{03D90D95-A3CD-4F0C-B4A7-044AC6FC4989}" dt="2021-01-19T19:13:10.024" v="17209" actId="5793"/>
           <ac:spMkLst>
             <pc:docMk/>
-            <pc:sldMk cId="1495237266" sldId="274"/>
-            <ac:spMk id="3" creationId="{4D09D65D-1CD1-4213-9CA4-FECD5ED2B7B2}"/>
+            <pc:sldMk cId="639340233" sldId="269"/>
+            <ac:spMk id="3" creationId="{E7644D11-C459-4360-9EF4-74DDC943927C}"/>
           </ac:spMkLst>
         </pc:spChg>
-        <pc:spChg chg="add">
-          <ac:chgData name="Bhateja, Jatin" userId="98cda72f-634a-44b2-9235-c876d61a9fae" providerId="ADAL" clId="{03D90D95-A3CD-4F0C-B4A7-044AC6FC4989}" dt="2021-01-20T00:45:19.254" v="59" actId="26606"/>
+      </pc:sldChg>
+      <pc:sldChg chg="addSp delSp modSp add">
+        <pc:chgData name="Bhateja, Jatin" userId="98cda72f-634a-44b2-9235-c876d61a9fae" providerId="ADAL" clId="{03D90D95-A3CD-4F0C-B4A7-044AC6FC4989}" dt="2021-01-19T18:59:13.690" v="16432" actId="1076"/>
+        <pc:sldMkLst>
+          <pc:docMk/>
+          <pc:sldMk cId="4282071285" sldId="270"/>
+        </pc:sldMkLst>
+        <pc:spChg chg="del mod">
+          <ac:chgData name="Bhateja, Jatin" userId="98cda72f-634a-44b2-9235-c876d61a9fae" providerId="ADAL" clId="{03D90D95-A3CD-4F0C-B4A7-044AC6FC4989}" dt="2021-01-19T18:58:56.649" v="16425" actId="478"/>
           <ac:spMkLst>
             <pc:docMk/>
-            <pc:sldMk cId="1495237266" sldId="274"/>
-            <ac:spMk id="11" creationId="{2B566528-1B12-4246-9431-5C2D7D081168}"/>
+            <pc:sldMk cId="4282071285" sldId="270"/>
+            <ac:spMk id="2" creationId="{43F13519-9734-4656-8774-0DD2EA0A1E23}"/>
           </ac:spMkLst>
         </pc:spChg>
-        <pc:spChg chg="add">
-          <ac:chgData name="Bhateja, Jatin" userId="98cda72f-634a-44b2-9235-c876d61a9fae" providerId="ADAL" clId="{03D90D95-A3CD-4F0C-B4A7-044AC6FC4989}" dt="2021-01-20T00:45:19.254" v="59" actId="26606"/>
+        <pc:spChg chg="del mod">
+          <ac:chgData name="Bhateja, Jatin" userId="98cda72f-634a-44b2-9235-c876d61a9fae" providerId="ADAL" clId="{03D90D95-A3CD-4F0C-B4A7-044AC6FC4989}" dt="2021-01-19T18:58:59.842" v="16427" actId="478"/>
           <ac:spMkLst>
             <pc:docMk/>
-            <pc:sldMk cId="1495237266" sldId="274"/>
-            <ac:spMk id="17" creationId="{D3F51FEB-38FB-4F6C-9F7B-2F2AFAB65463}"/>
+            <pc:sldMk cId="4282071285" sldId="270"/>
+            <ac:spMk id="3" creationId="{E7644D11-C459-4360-9EF4-74DDC943927C}"/>
           </ac:spMkLst>
         </pc:spChg>
-        <pc:spChg chg="add">
-          <ac:chgData name="Bhateja, Jatin" userId="98cda72f-634a-44b2-9235-c876d61a9fae" providerId="ADAL" clId="{03D90D95-A3CD-4F0C-B4A7-044AC6FC4989}" dt="2021-01-20T00:45:19.254" v="59" actId="26606"/>
-          <ac:spMkLst>
-            <pc:docMk/>
-            <pc:sldMk cId="1495237266" sldId="274"/>
-            <ac:spMk id="19" creationId="{1E547BA6-BAE0-43BB-A7CA-60F69CE252F0}"/>
-          </ac:spMkLst>
-        </pc:spChg>
-        <pc:grpChg chg="add">
-          <ac:chgData name="Bhateja, Jatin" userId="98cda72f-634a-44b2-9235-c876d61a9fae" providerId="ADAL" clId="{03D90D95-A3CD-4F0C-B4A7-044AC6FC4989}" dt="2021-01-20T00:45:19.254" v="59" actId="26606"/>
-          <ac:grpSpMkLst>
-            <pc:docMk/>
-            <pc:sldMk cId="1495237266" sldId="274"/>
-            <ac:grpSpMk id="13" creationId="{4E1CCBAB-B73B-43B3-B640-671A62937F6B}"/>
-          </ac:grpSpMkLst>
-        </pc:grpChg>
         <pc:picChg chg="add mod">
-          <ac:chgData name="Bhateja, Jatin" userId="98cda72f-634a-44b2-9235-c876d61a9fae" providerId="ADAL" clId="{03D90D95-A3CD-4F0C-B4A7-044AC6FC4989}" dt="2021-01-20T00:46:04.721" v="128" actId="1076"/>
+          <ac:chgData name="Bhateja, Jatin" userId="98cda72f-634a-44b2-9235-c876d61a9fae" providerId="ADAL" clId="{03D90D95-A3CD-4F0C-B4A7-044AC6FC4989}" dt="2021-01-19T18:59:13.690" v="16432" actId="1076"/>
           <ac:picMkLst>
             <pc:docMk/>
-            <pc:sldMk cId="1495237266" sldId="274"/>
-            <ac:picMk id="4" creationId="{42EF43AA-A7D3-465F-A557-0A740A553256}"/>
-          </ac:picMkLst>
-        </pc:picChg>
-        <pc:picChg chg="add mod ord">
-          <ac:chgData name="Bhateja, Jatin" userId="98cda72f-634a-44b2-9235-c876d61a9fae" providerId="ADAL" clId="{03D90D95-A3CD-4F0C-B4A7-044AC6FC4989}" dt="2021-01-20T00:46:08.283" v="129" actId="1076"/>
-          <ac:picMkLst>
-            <pc:docMk/>
-            <pc:sldMk cId="1495237266" sldId="274"/>
-            <ac:picMk id="5" creationId="{5DEBF63A-A9ED-4F3C-A4AB-1CC9CB2FDA59}"/>
+            <pc:sldMk cId="4282071285" sldId="270"/>
+            <ac:picMk id="4" creationId="{7A9A783D-FBA7-44C2-A79B-04E842CE517D}"/>
           </ac:picMkLst>
         </pc:picChg>
         <pc:picChg chg="add mod">
-          <ac:chgData name="Bhateja, Jatin" userId="98cda72f-634a-44b2-9235-c876d61a9fae" providerId="ADAL" clId="{03D90D95-A3CD-4F0C-B4A7-044AC6FC4989}" dt="2021-01-20T00:45:19.254" v="59" actId="26606"/>
+          <ac:chgData name="Bhateja, Jatin" userId="98cda72f-634a-44b2-9235-c876d61a9fae" providerId="ADAL" clId="{03D90D95-A3CD-4F0C-B4A7-044AC6FC4989}" dt="2021-01-19T18:59:10.121" v="16431" actId="14100"/>
           <ac:picMkLst>
             <pc:docMk/>
-            <pc:sldMk cId="1495237266" sldId="274"/>
-            <ac:picMk id="6" creationId="{587E2BB4-1F32-49C3-989A-6D66D0B41093}"/>
+            <pc:sldMk cId="4282071285" sldId="270"/>
+            <ac:picMk id="5" creationId="{3E265AE3-F5C7-4831-A3BB-795006546599}"/>
           </ac:picMkLst>
         </pc:picChg>
+      </pc:sldChg>
+      <pc:sldChg chg="addSp delSp modSp add">
+        <pc:chgData name="Bhateja, Jatin" userId="98cda72f-634a-44b2-9235-c876d61a9fae" providerId="ADAL" clId="{03D90D95-A3CD-4F0C-B4A7-044AC6FC4989}" dt="2021-01-19T19:02:56.346" v="16441" actId="14100"/>
+        <pc:sldMkLst>
+          <pc:docMk/>
+          <pc:sldMk cId="1612206252" sldId="271"/>
+        </pc:sldMkLst>
+        <pc:spChg chg="del mod">
+          <ac:chgData name="Bhateja, Jatin" userId="98cda72f-634a-44b2-9235-c876d61a9fae" providerId="ADAL" clId="{03D90D95-A3CD-4F0C-B4A7-044AC6FC4989}" dt="2021-01-19T19:02:46.427" v="16436" actId="478"/>
+          <ac:spMkLst>
+            <pc:docMk/>
+            <pc:sldMk cId="1612206252" sldId="271"/>
+            <ac:spMk id="2" creationId="{F791A557-011D-45A7-83A2-7DA1CB118819}"/>
+          </ac:spMkLst>
+        </pc:spChg>
+        <pc:spChg chg="del mod">
+          <ac:chgData name="Bhateja, Jatin" userId="98cda72f-634a-44b2-9235-c876d61a9fae" providerId="ADAL" clId="{03D90D95-A3CD-4F0C-B4A7-044AC6FC4989}" dt="2021-01-19T19:02:48.862" v="16438" actId="478"/>
+          <ac:spMkLst>
+            <pc:docMk/>
+            <pc:sldMk cId="1612206252" sldId="271"/>
+            <ac:spMk id="3" creationId="{B8D34B6C-EF6B-4578-9BBB-CE25B5432226}"/>
+          </ac:spMkLst>
+        </pc:spChg>
+        <pc:picChg chg="add mod">
+          <ac:chgData name="Bhateja, Jatin" userId="98cda72f-634a-44b2-9235-c876d61a9fae" providerId="ADAL" clId="{03D90D95-A3CD-4F0C-B4A7-044AC6FC4989}" dt="2021-01-19T19:02:56.346" v="16441" actId="14100"/>
+          <ac:picMkLst>
+            <pc:docMk/>
+            <pc:sldMk cId="1612206252" sldId="271"/>
+            <ac:picMk id="4" creationId="{B8711371-47B8-4882-B1BC-DCA8BC330BB1}"/>
+          </ac:picMkLst>
+        </pc:picChg>
+      </pc:sldChg>
+      <pc:sldChg chg="addSp delSp modSp add">
+        <pc:chgData name="Bhateja, Jatin" userId="98cda72f-634a-44b2-9235-c876d61a9fae" providerId="ADAL" clId="{03D90D95-A3CD-4F0C-B4A7-044AC6FC4989}" dt="2021-01-19T19:07:56.432" v="16603" actId="1076"/>
+        <pc:sldMkLst>
+          <pc:docMk/>
+          <pc:sldMk cId="1175123225" sldId="272"/>
+        </pc:sldMkLst>
+        <pc:spChg chg="del mod">
+          <ac:chgData name="Bhateja, Jatin" userId="98cda72f-634a-44b2-9235-c876d61a9fae" providerId="ADAL" clId="{03D90D95-A3CD-4F0C-B4A7-044AC6FC4989}" dt="2021-01-19T19:06:48.802" v="16598" actId="478"/>
+          <ac:spMkLst>
+            <pc:docMk/>
+            <pc:sldMk cId="1175123225" sldId="272"/>
+            <ac:spMk id="2" creationId="{EC4DAD47-425B-4FF5-8E50-150A25D43DCA}"/>
+          </ac:spMkLst>
+        </pc:spChg>
+        <pc:spChg chg="del">
+          <ac:chgData name="Bhateja, Jatin" userId="98cda72f-634a-44b2-9235-c876d61a9fae" providerId="ADAL" clId="{03D90D95-A3CD-4F0C-B4A7-044AC6FC4989}" dt="2021-01-19T19:06:50.350" v="16599" actId="478"/>
+          <ac:spMkLst>
+            <pc:docMk/>
+            <pc:sldMk cId="1175123225" sldId="272"/>
+            <ac:spMk id="3" creationId="{2BC941F8-F6DD-4AEC-91B3-C5C0FC6B2489}"/>
+          </ac:spMkLst>
+        </pc:spChg>
+        <pc:picChg chg="add mod">
+          <ac:chgData name="Bhateja, Jatin" userId="98cda72f-634a-44b2-9235-c876d61a9fae" providerId="ADAL" clId="{03D90D95-A3CD-4F0C-B4A7-044AC6FC4989}" dt="2021-01-19T19:07:54.477" v="16602" actId="1076"/>
+          <ac:picMkLst>
+            <pc:docMk/>
+            <pc:sldMk cId="1175123225" sldId="272"/>
+            <ac:picMk id="4" creationId="{64564B4C-A2E8-4D94-958C-971514ED69A3}"/>
+          </ac:picMkLst>
+        </pc:picChg>
+        <pc:picChg chg="add mod">
+          <ac:chgData name="Bhateja, Jatin" userId="98cda72f-634a-44b2-9235-c876d61a9fae" providerId="ADAL" clId="{03D90D95-A3CD-4F0C-B4A7-044AC6FC4989}" dt="2021-01-19T19:07:56.432" v="16603" actId="1076"/>
+          <ac:picMkLst>
+            <pc:docMk/>
+            <pc:sldMk cId="1175123225" sldId="272"/>
+            <ac:picMk id="5" creationId="{D3ADD786-6F01-4149-B25F-0789BE0CC78F}"/>
+          </ac:picMkLst>
+        </pc:picChg>
+      </pc:sldChg>
+      <pc:sldChg chg="modSp add">
+        <pc:chgData name="Bhateja, Jatin" userId="98cda72f-634a-44b2-9235-c876d61a9fae" providerId="ADAL" clId="{03D90D95-A3CD-4F0C-B4A7-044AC6FC4989}" dt="2021-01-19T19:14:07.601" v="17226" actId="20577"/>
+        <pc:sldMkLst>
+          <pc:docMk/>
+          <pc:sldMk cId="3281804686" sldId="273"/>
+        </pc:sldMkLst>
+        <pc:spChg chg="mod">
+          <ac:chgData name="Bhateja, Jatin" userId="98cda72f-634a-44b2-9235-c876d61a9fae" providerId="ADAL" clId="{03D90D95-A3CD-4F0C-B4A7-044AC6FC4989}" dt="2021-01-19T19:11:25.588" v="17034" actId="20577"/>
+          <ac:spMkLst>
+            <pc:docMk/>
+            <pc:sldMk cId="3281804686" sldId="273"/>
+            <ac:spMk id="2" creationId="{79737F04-EF9F-4C6E-B059-49A57A714B9E}"/>
+          </ac:spMkLst>
+        </pc:spChg>
+        <pc:spChg chg="mod">
+          <ac:chgData name="Bhateja, Jatin" userId="98cda72f-634a-44b2-9235-c876d61a9fae" providerId="ADAL" clId="{03D90D95-A3CD-4F0C-B4A7-044AC6FC4989}" dt="2021-01-19T19:14:07.601" v="17226" actId="20577"/>
+          <ac:spMkLst>
+            <pc:docMk/>
+            <pc:sldMk cId="3281804686" sldId="273"/>
+            <ac:spMk id="3" creationId="{77434EE8-BA5A-4E10-A1CF-F5CCDD3BDCA4}"/>
+          </ac:spMkLst>
+        </pc:spChg>
       </pc:sldChg>
     </pc:docChg>
   </pc:docChgLst>
@@ -3543,7 +4010,7 @@
                 <a:ea typeface="Intel Clear" panose="020B0604020203020204" pitchFamily="34" charset="0"/>
                 <a:cs typeface="Intel Clear" panose="020B0604020203020204" pitchFamily="34" charset="0"/>
               </a:rPr>
-              <a:t>AVX-512 Opmask register allocation and optimization for masked operations in OpenJDK C2 compiler</a:t>
+              <a:t>AVX-512 Opmask register allocation and optimization for masked operations</a:t>
             </a:r>
           </a:p>
         </p:txBody>
@@ -3788,7 +4255,7 @@
             </a:pPr>
             <a:r>
               <a:rPr lang="en-US" dirty="0"/>
-              <a:t>With a view to introduce minimal number of new instruction selection patterns for masked operation in AD file, mask operation opcode is propagated from Ideal node to newly added MachMetaData node. This opcode information facilitates creation of one generic macro assembly routing which accept opcode.</a:t>
+              <a:t>With a view to introduce minimal number of new instruction selection patterns for masked operation in AD file, mask operation opcode is propagated from Ideal node to newly added MachMetaData node. This opcode information facilitated creation of one generic macro assembly routing which accept opcode.</a:t>
             </a:r>
           </a:p>
           <a:p>
@@ -3817,570 +4284,6 @@
 </file>
 
 <file path=ppt/slides/slide11.xml><?xml version="1.0" encoding="utf-8"?>
-<p:sld xmlns:a="http://schemas.openxmlformats.org/drawingml/2006/main" xmlns:r="http://schemas.openxmlformats.org/officeDocument/2006/relationships" xmlns:p="http://schemas.openxmlformats.org/presentationml/2006/main">
-  <p:cSld>
-    <p:bg>
-      <p:bgPr>
-        <a:solidFill>
-          <a:schemeClr val="bg1"/>
-        </a:solidFill>
-        <a:effectLst/>
-      </p:bgPr>
-    </p:bg>
-    <p:spTree>
-      <p:nvGrpSpPr>
-        <p:cNvPr id="1" name=""/>
-        <p:cNvGrpSpPr/>
-        <p:nvPr/>
-      </p:nvGrpSpPr>
-      <p:grpSpPr>
-        <a:xfrm>
-          <a:off x="0" y="0"/>
-          <a:ext cx="0" cy="0"/>
-          <a:chOff x="0" y="0"/>
-          <a:chExt cx="0" cy="0"/>
-        </a:xfrm>
-      </p:grpSpPr>
-      <p:sp>
-        <p:nvSpPr>
-          <p:cNvPr id="11" name="Rectangle 10">
-            <a:extLst>
-              <a:ext uri="{FF2B5EF4-FFF2-40B4-BE49-F238E27FC236}">
-                <a16:creationId xmlns:a16="http://schemas.microsoft.com/office/drawing/2014/main" id="{2B566528-1B12-4246-9431-5C2D7D081168}"/>
-              </a:ext>
-              <a:ext uri="{C183D7F6-B498-43B3-948B-1728B52AA6E4}">
-                <adec:decorative xmlns:adec="http://schemas.microsoft.com/office/drawing/2017/decorative" val="1"/>
-              </a:ext>
-            </a:extLst>
-          </p:cNvPr>
-          <p:cNvSpPr>
-            <a:spLocks noGrp="1" noRot="1" noChangeAspect="1" noMove="1" noResize="1" noEditPoints="1" noAdjustHandles="1" noChangeArrowheads="1" noChangeShapeType="1" noTextEdit="1"/>
-          </p:cNvSpPr>
-          <p:nvPr>
-            <p:extLst>
-              <p:ext uri="{386F3935-93C4-4BCD-93E2-E3B085C9AB24}">
-                <p16:designElem xmlns:p16="http://schemas.microsoft.com/office/powerpoint/2015/main" val="1"/>
-              </p:ext>
-            </p:extLst>
-          </p:nvPr>
-        </p:nvSpPr>
-        <p:spPr>
-          <a:xfrm>
-            <a:off x="0" y="0"/>
-            <a:ext cx="12192000" cy="6858000"/>
-          </a:xfrm>
-          <a:prstGeom prst="rect">
-            <a:avLst/>
-          </a:prstGeom>
-          <a:solidFill>
-            <a:schemeClr val="bg1"/>
-          </a:solidFill>
-          <a:ln>
-            <a:noFill/>
-          </a:ln>
-        </p:spPr>
-        <p:style>
-          <a:lnRef idx="2">
-            <a:schemeClr val="accent1">
-              <a:shade val="50000"/>
-            </a:schemeClr>
-          </a:lnRef>
-          <a:fillRef idx="1">
-            <a:schemeClr val="accent1"/>
-          </a:fillRef>
-          <a:effectRef idx="0">
-            <a:schemeClr val="accent1"/>
-          </a:effectRef>
-          <a:fontRef idx="minor">
-            <a:schemeClr val="lt1"/>
-          </a:fontRef>
-        </p:style>
-        <p:txBody>
-          <a:bodyPr rtlCol="0" anchor="ctr"/>
-          <a:lstStyle/>
-          <a:p>
-            <a:pPr algn="ctr"/>
-            <a:endParaRPr lang="en-US" dirty="0"/>
-          </a:p>
-        </p:txBody>
-      </p:sp>
-      <p:sp>
-        <p:nvSpPr>
-          <p:cNvPr id="2" name="Title 1">
-            <a:extLst>
-              <a:ext uri="{FF2B5EF4-FFF2-40B4-BE49-F238E27FC236}">
-                <a16:creationId xmlns:a16="http://schemas.microsoft.com/office/drawing/2014/main" id="{DEF0462B-ACD7-4F9E-9E9D-8B6D2553086A}"/>
-              </a:ext>
-            </a:extLst>
-          </p:cNvPr>
-          <p:cNvSpPr>
-            <a:spLocks noGrp="1"/>
-          </p:cNvSpPr>
-          <p:nvPr>
-            <p:ph type="title"/>
-          </p:nvPr>
-        </p:nvSpPr>
-        <p:spPr>
-          <a:xfrm>
-            <a:off x="643467" y="321734"/>
-            <a:ext cx="5136416" cy="1135737"/>
-          </a:xfrm>
-        </p:spPr>
-        <p:txBody>
-          <a:bodyPr>
-            <a:normAutofit fontScale="90000"/>
-          </a:bodyPr>
-          <a:lstStyle/>
-          <a:p>
-            <a:r>
-              <a:rPr lang="en-US" sz="3600" dirty="0"/>
-              <a:t>Instruction patterns with new opmask operand (kReg).</a:t>
-            </a:r>
-          </a:p>
-        </p:txBody>
-      </p:sp>
-      <p:sp>
-        <p:nvSpPr>
-          <p:cNvPr id="3" name="Content Placeholder 2">
-            <a:extLst>
-              <a:ext uri="{FF2B5EF4-FFF2-40B4-BE49-F238E27FC236}">
-                <a16:creationId xmlns:a16="http://schemas.microsoft.com/office/drawing/2014/main" id="{4D09D65D-1CD1-4213-9CA4-FECD5ED2B7B2}"/>
-              </a:ext>
-            </a:extLst>
-          </p:cNvPr>
-          <p:cNvSpPr>
-            <a:spLocks noGrp="1"/>
-          </p:cNvSpPr>
-          <p:nvPr>
-            <p:ph idx="1"/>
-          </p:nvPr>
-        </p:nvSpPr>
-        <p:spPr>
-          <a:xfrm>
-            <a:off x="643468" y="1782981"/>
-            <a:ext cx="5136416" cy="4393982"/>
-          </a:xfrm>
-        </p:spPr>
-        <p:txBody>
-          <a:bodyPr>
-            <a:normAutofit/>
-          </a:bodyPr>
-          <a:lstStyle/>
-          <a:p>
-            <a:r>
-              <a:rPr lang="en-US" sz="2000" dirty="0"/>
-              <a:t>One pattern for generic binary masked vector operation.</a:t>
-            </a:r>
-          </a:p>
-          <a:p>
-            <a:r>
-              <a:rPr lang="en-US" sz="2000" dirty="0"/>
-              <a:t>Mask operation opcode is propagated from Ideal IR to </a:t>
-            </a:r>
-            <a:r>
-              <a:rPr lang="en-US" sz="2000" dirty="0" err="1"/>
-              <a:t>MachMetadata</a:t>
-            </a:r>
-            <a:r>
-              <a:rPr lang="en-US" sz="2000" dirty="0"/>
-              <a:t> node promotes sharing of macro assembly routines. </a:t>
-            </a:r>
-          </a:p>
-        </p:txBody>
-      </p:sp>
-      <p:pic>
-        <p:nvPicPr>
-          <p:cNvPr id="4" name="Picture 3">
-            <a:extLst>
-              <a:ext uri="{FF2B5EF4-FFF2-40B4-BE49-F238E27FC236}">
-                <a16:creationId xmlns:a16="http://schemas.microsoft.com/office/drawing/2014/main" id="{42EF43AA-A7D3-465F-A557-0A740A553256}"/>
-              </a:ext>
-            </a:extLst>
-          </p:cNvPr>
-          <p:cNvPicPr>
-            <a:picLocks noChangeAspect="1"/>
-          </p:cNvPicPr>
-          <p:nvPr/>
-        </p:nvPicPr>
-        <p:blipFill rotWithShape="1">
-          <a:blip r:embed="rId2"/>
-          <a:srcRect r="2" b="1661"/>
-          <a:stretch/>
-        </p:blipFill>
-        <p:spPr>
-          <a:xfrm>
-            <a:off x="6412115" y="2287816"/>
-            <a:ext cx="5779884" cy="2287806"/>
-          </a:xfrm>
-          <a:prstGeom prst="rect">
-            <a:avLst/>
-          </a:prstGeom>
-        </p:spPr>
-      </p:pic>
-      <p:pic>
-        <p:nvPicPr>
-          <p:cNvPr id="6" name="Picture 5">
-            <a:extLst>
-              <a:ext uri="{FF2B5EF4-FFF2-40B4-BE49-F238E27FC236}">
-                <a16:creationId xmlns:a16="http://schemas.microsoft.com/office/drawing/2014/main" id="{587E2BB4-1F32-49C3-989A-6D66D0B41093}"/>
-              </a:ext>
-            </a:extLst>
-          </p:cNvPr>
-          <p:cNvPicPr>
-            <a:picLocks noChangeAspect="1"/>
-          </p:cNvPicPr>
-          <p:nvPr/>
-        </p:nvPicPr>
-        <p:blipFill rotWithShape="1">
-          <a:blip r:embed="rId3"/>
-          <a:srcRect r="29262"/>
-          <a:stretch/>
-        </p:blipFill>
-        <p:spPr>
-          <a:xfrm>
-            <a:off x="6412116" y="4570184"/>
-            <a:ext cx="5779884" cy="2287816"/>
-          </a:xfrm>
-          <a:prstGeom prst="rect">
-            <a:avLst/>
-          </a:prstGeom>
-        </p:spPr>
-      </p:pic>
-      <p:pic>
-        <p:nvPicPr>
-          <p:cNvPr id="5" name="Picture 4">
-            <a:extLst>
-              <a:ext uri="{FF2B5EF4-FFF2-40B4-BE49-F238E27FC236}">
-                <a16:creationId xmlns:a16="http://schemas.microsoft.com/office/drawing/2014/main" id="{5DEBF63A-A9ED-4F3C-A4AB-1CC9CB2FDA59}"/>
-              </a:ext>
-            </a:extLst>
-          </p:cNvPr>
-          <p:cNvPicPr>
-            <a:picLocks noChangeAspect="1"/>
-          </p:cNvPicPr>
-          <p:nvPr/>
-        </p:nvPicPr>
-        <p:blipFill rotWithShape="1">
-          <a:blip r:embed="rId4"/>
-          <a:srcRect l="521" r="49584" b="1"/>
-          <a:stretch/>
-        </p:blipFill>
-        <p:spPr>
-          <a:xfrm>
-            <a:off x="6412115" y="-2724"/>
-            <a:ext cx="5779884" cy="2287816"/>
-          </a:xfrm>
-          <a:prstGeom prst="rect">
-            <a:avLst/>
-          </a:prstGeom>
-        </p:spPr>
-      </p:pic>
-      <p:grpSp>
-        <p:nvGrpSpPr>
-          <p:cNvPr id="13" name="Group 12">
-            <a:extLst>
-              <a:ext uri="{FF2B5EF4-FFF2-40B4-BE49-F238E27FC236}">
-                <a16:creationId xmlns:a16="http://schemas.microsoft.com/office/drawing/2014/main" id="{4E1CCBAB-B73B-43B3-B640-671A62937F6B}"/>
-              </a:ext>
-              <a:ext uri="{C183D7F6-B498-43B3-948B-1728B52AA6E4}">
-                <adec:decorative xmlns:adec="http://schemas.microsoft.com/office/drawing/2017/decorative" val="1"/>
-              </a:ext>
-            </a:extLst>
-          </p:cNvPr>
-          <p:cNvGrpSpPr>
-            <a:grpSpLocks noGrp="1" noUngrp="1" noRot="1" noChangeAspect="1" noMove="1" noResize="1"/>
-          </p:cNvGrpSpPr>
-          <p:nvPr>
-            <p:extLst>
-              <p:ext uri="{386F3935-93C4-4BCD-93E2-E3B085C9AB24}">
-                <p16:designElem xmlns:p16="http://schemas.microsoft.com/office/powerpoint/2015/main" val="1"/>
-              </p:ext>
-            </p:extLst>
-          </p:nvPr>
-        </p:nvGrpSpPr>
-        <p:grpSpPr>
-          <a:xfrm>
-            <a:off x="11123132" y="713128"/>
-            <a:ext cx="1068867" cy="2126625"/>
-            <a:chOff x="10918968" y="713127"/>
-            <a:chExt cx="1273032" cy="2532832"/>
-          </a:xfrm>
-        </p:grpSpPr>
-        <p:sp>
-          <p:nvSpPr>
-            <p:cNvPr id="14" name="Rectangle 13">
-              <a:extLst>
-                <a:ext uri="{FF2B5EF4-FFF2-40B4-BE49-F238E27FC236}">
-                  <a16:creationId xmlns:a16="http://schemas.microsoft.com/office/drawing/2014/main" id="{3B1CF92E-2B5D-487A-A899-BB649820A37F}"/>
-                </a:ext>
-                <a:ext uri="{C183D7F6-B498-43B3-948B-1728B52AA6E4}">
-                  <adec:decorative xmlns:adec="http://schemas.microsoft.com/office/drawing/2017/decorative" val="1"/>
-                </a:ext>
-              </a:extLst>
-            </p:cNvPr>
-            <p:cNvSpPr/>
-            <p:nvPr>
-              <p:extLst>
-                <p:ext uri="{386F3935-93C4-4BCD-93E2-E3B085C9AB24}">
-                  <p16:designElem xmlns:p16="http://schemas.microsoft.com/office/powerpoint/2015/main" val="1"/>
-                </p:ext>
-              </p:extLst>
-            </p:nvPr>
-          </p:nvSpPr>
-          <p:spPr>
-            <a:xfrm rot="2700000">
-              <a:off x="11052629" y="2120024"/>
-              <a:ext cx="645368" cy="645368"/>
-            </a:xfrm>
-            <a:prstGeom prst="rect">
-              <a:avLst/>
-            </a:prstGeom>
-            <a:solidFill>
-              <a:schemeClr val="accent4">
-                <a:alpha val="30000"/>
-              </a:schemeClr>
-            </a:solidFill>
-            <a:ln>
-              <a:noFill/>
-            </a:ln>
-          </p:spPr>
-          <p:style>
-            <a:lnRef idx="2">
-              <a:schemeClr val="accent1">
-                <a:shade val="50000"/>
-              </a:schemeClr>
-            </a:lnRef>
-            <a:fillRef idx="1">
-              <a:schemeClr val="accent1"/>
-            </a:fillRef>
-            <a:effectRef idx="0">
-              <a:schemeClr val="accent1"/>
-            </a:effectRef>
-            <a:fontRef idx="minor">
-              <a:schemeClr val="lt1"/>
-            </a:fontRef>
-          </p:style>
-          <p:txBody>
-            <a:bodyPr rtlCol="0" anchor="ctr"/>
-            <a:lstStyle/>
-            <a:p>
-              <a:pPr algn="ctr"/>
-              <a:endParaRPr lang="en-US"/>
-            </a:p>
-          </p:txBody>
-        </p:sp>
-        <p:sp>
-          <p:nvSpPr>
-            <p:cNvPr id="15" name="Isosceles Triangle 14">
-              <a:extLst>
-                <a:ext uri="{FF2B5EF4-FFF2-40B4-BE49-F238E27FC236}">
-                  <a16:creationId xmlns:a16="http://schemas.microsoft.com/office/drawing/2014/main" id="{E7354EA5-24E3-4F7E-933A-53A274ADAAF5}"/>
-                </a:ext>
-                <a:ext uri="{C183D7F6-B498-43B3-948B-1728B52AA6E4}">
-                  <adec:decorative xmlns:adec="http://schemas.microsoft.com/office/drawing/2017/decorative" val="1"/>
-                </a:ext>
-              </a:extLst>
-            </p:cNvPr>
-            <p:cNvSpPr/>
-            <p:nvPr>
-              <p:extLst>
-                <p:ext uri="{386F3935-93C4-4BCD-93E2-E3B085C9AB24}">
-                  <p16:designElem xmlns:p16="http://schemas.microsoft.com/office/powerpoint/2015/main" val="1"/>
-                </p:ext>
-              </p:extLst>
-            </p:nvPr>
-          </p:nvSpPr>
-          <p:spPr>
-            <a:xfrm rot="16200000">
-              <a:off x="10289068" y="1343027"/>
-              <a:ext cx="2532832" cy="1273032"/>
-            </a:xfrm>
-            <a:prstGeom prst="triangle">
-              <a:avLst>
-                <a:gd name="adj" fmla="val 50000"/>
-              </a:avLst>
-            </a:prstGeom>
-            <a:solidFill>
-              <a:schemeClr val="accent4">
-                <a:alpha val="30000"/>
-              </a:schemeClr>
-            </a:solidFill>
-            <a:ln>
-              <a:noFill/>
-            </a:ln>
-          </p:spPr>
-          <p:style>
-            <a:lnRef idx="2">
-              <a:schemeClr val="accent1">
-                <a:shade val="50000"/>
-              </a:schemeClr>
-            </a:lnRef>
-            <a:fillRef idx="1">
-              <a:schemeClr val="accent1"/>
-            </a:fillRef>
-            <a:effectRef idx="0">
-              <a:schemeClr val="accent1"/>
-            </a:effectRef>
-            <a:fontRef idx="minor">
-              <a:schemeClr val="lt1"/>
-            </a:fontRef>
-          </p:style>
-          <p:txBody>
-            <a:bodyPr rtlCol="0" anchor="ctr"/>
-            <a:lstStyle/>
-            <a:p>
-              <a:pPr algn="ctr"/>
-              <a:endParaRPr lang="en-US" dirty="0"/>
-            </a:p>
-          </p:txBody>
-        </p:sp>
-      </p:grpSp>
-      <p:sp>
-        <p:nvSpPr>
-          <p:cNvPr id="17" name="Isosceles Triangle 16">
-            <a:extLst>
-              <a:ext uri="{FF2B5EF4-FFF2-40B4-BE49-F238E27FC236}">
-                <a16:creationId xmlns:a16="http://schemas.microsoft.com/office/drawing/2014/main" id="{D3F51FEB-38FB-4F6C-9F7B-2F2AFAB65463}"/>
-              </a:ext>
-              <a:ext uri="{C183D7F6-B498-43B3-948B-1728B52AA6E4}">
-                <adec:decorative xmlns:adec="http://schemas.microsoft.com/office/drawing/2017/decorative" val="1"/>
-              </a:ext>
-            </a:extLst>
-          </p:cNvPr>
-          <p:cNvSpPr>
-            <a:spLocks noGrp="1" noRot="1" noChangeAspect="1" noMove="1" noResize="1" noEditPoints="1" noAdjustHandles="1" noChangeArrowheads="1" noChangeShapeType="1" noTextEdit="1"/>
-          </p:cNvSpPr>
-          <p:nvPr>
-            <p:extLst>
-              <p:ext uri="{386F3935-93C4-4BCD-93E2-E3B085C9AB24}">
-                <p16:designElem xmlns:p16="http://schemas.microsoft.com/office/powerpoint/2015/main" val="1"/>
-              </p:ext>
-            </p:extLst>
-          </p:nvPr>
-        </p:nvSpPr>
-        <p:spPr>
-          <a:xfrm rot="5400000">
-            <a:off x="-501760" y="5103257"/>
-            <a:ext cx="2017580" cy="1014060"/>
-          </a:xfrm>
-          <a:prstGeom prst="triangle">
-            <a:avLst>
-              <a:gd name="adj" fmla="val 50000"/>
-            </a:avLst>
-          </a:prstGeom>
-          <a:solidFill>
-            <a:schemeClr val="accent1">
-              <a:alpha val="30000"/>
-            </a:schemeClr>
-          </a:solidFill>
-          <a:ln>
-            <a:noFill/>
-          </a:ln>
-        </p:spPr>
-        <p:style>
-          <a:lnRef idx="2">
-            <a:schemeClr val="accent1">
-              <a:shade val="50000"/>
-            </a:schemeClr>
-          </a:lnRef>
-          <a:fillRef idx="1">
-            <a:schemeClr val="accent1"/>
-          </a:fillRef>
-          <a:effectRef idx="0">
-            <a:schemeClr val="accent1"/>
-          </a:effectRef>
-          <a:fontRef idx="minor">
-            <a:schemeClr val="lt1"/>
-          </a:fontRef>
-        </p:style>
-        <p:txBody>
-          <a:bodyPr rtlCol="0" anchor="ctr"/>
-          <a:lstStyle/>
-          <a:p>
-            <a:pPr algn="ctr"/>
-            <a:endParaRPr lang="en-US"/>
-          </a:p>
-        </p:txBody>
-      </p:sp>
-      <p:sp>
-        <p:nvSpPr>
-          <p:cNvPr id="19" name="Rectangle 18">
-            <a:extLst>
-              <a:ext uri="{FF2B5EF4-FFF2-40B4-BE49-F238E27FC236}">
-                <a16:creationId xmlns:a16="http://schemas.microsoft.com/office/drawing/2014/main" id="{1E547BA6-BAE0-43BB-A7CA-60F69CE252F0}"/>
-              </a:ext>
-              <a:ext uri="{C183D7F6-B498-43B3-948B-1728B52AA6E4}">
-                <adec:decorative xmlns:adec="http://schemas.microsoft.com/office/drawing/2017/decorative" val="1"/>
-              </a:ext>
-            </a:extLst>
-          </p:cNvPr>
-          <p:cNvSpPr>
-            <a:spLocks noGrp="1" noRot="1" noChangeAspect="1" noMove="1" noResize="1" noEditPoints="1" noAdjustHandles="1" noChangeArrowheads="1" noChangeShapeType="1" noTextEdit="1"/>
-          </p:cNvSpPr>
-          <p:nvPr>
-            <p:extLst>
-              <p:ext uri="{386F3935-93C4-4BCD-93E2-E3B085C9AB24}">
-                <p16:designElem xmlns:p16="http://schemas.microsoft.com/office/powerpoint/2015/main" val="1"/>
-              </p:ext>
-            </p:extLst>
-          </p:nvPr>
-        </p:nvSpPr>
-        <p:spPr>
-          <a:xfrm rot="2700000">
-            <a:off x="427916" y="5728708"/>
-            <a:ext cx="485578" cy="485578"/>
-          </a:xfrm>
-          <a:prstGeom prst="rect">
-            <a:avLst/>
-          </a:prstGeom>
-          <a:solidFill>
-            <a:schemeClr val="accent1">
-              <a:alpha val="30000"/>
-            </a:schemeClr>
-          </a:solidFill>
-          <a:ln>
-            <a:noFill/>
-          </a:ln>
-        </p:spPr>
-        <p:style>
-          <a:lnRef idx="2">
-            <a:schemeClr val="accent1">
-              <a:shade val="50000"/>
-            </a:schemeClr>
-          </a:lnRef>
-          <a:fillRef idx="1">
-            <a:schemeClr val="accent1"/>
-          </a:fillRef>
-          <a:effectRef idx="0">
-            <a:schemeClr val="accent1"/>
-          </a:effectRef>
-          <a:fontRef idx="minor">
-            <a:schemeClr val="lt1"/>
-          </a:fontRef>
-        </p:style>
-        <p:txBody>
-          <a:bodyPr rtlCol="0" anchor="ctr"/>
-          <a:lstStyle/>
-          <a:p>
-            <a:pPr algn="ctr"/>
-            <a:endParaRPr lang="en-US"/>
-          </a:p>
-        </p:txBody>
-      </p:sp>
-    </p:spTree>
-    <p:extLst>
-      <p:ext uri="{BB962C8B-B14F-4D97-AF65-F5344CB8AC3E}">
-        <p14:creationId xmlns:p14="http://schemas.microsoft.com/office/powerpoint/2010/main" val="1495237266"/>
-      </p:ext>
-    </p:extLst>
-  </p:cSld>
-  <p:clrMapOvr>
-    <a:masterClrMapping/>
-  </p:clrMapOvr>
-</p:sld>
-</file>
-
-<file path=ppt/slides/slide12.xml><?xml version="1.0" encoding="utf-8"?>
 <p:sld xmlns:a="http://schemas.openxmlformats.org/drawingml/2006/main" xmlns:r="http://schemas.openxmlformats.org/officeDocument/2006/relationships" xmlns:p="http://schemas.openxmlformats.org/presentationml/2006/main">
   <p:cSld>
     <p:bg>
@@ -5991,7 +5894,7 @@
 </p:sld>
 </file>
 
-<file path=ppt/slides/slide13.xml><?xml version="1.0" encoding="utf-8"?>
+<file path=ppt/slides/slide12.xml><?xml version="1.0" encoding="utf-8"?>
 <p:sld xmlns:a="http://schemas.openxmlformats.org/drawingml/2006/main" xmlns:r="http://schemas.openxmlformats.org/officeDocument/2006/relationships" xmlns:p="http://schemas.openxmlformats.org/presentationml/2006/main">
   <p:cSld>
     <p:bg>
@@ -6378,7 +6281,7 @@
 </p:sld>
 </file>
 
-<file path=ppt/slides/slide14.xml><?xml version="1.0" encoding="utf-8"?>
+<file path=ppt/slides/slide13.xml><?xml version="1.0" encoding="utf-8"?>
 <p:sld xmlns:a="http://schemas.openxmlformats.org/drawingml/2006/main" xmlns:r="http://schemas.openxmlformats.org/officeDocument/2006/relationships" xmlns:p="http://schemas.openxmlformats.org/presentationml/2006/main">
   <p:cSld>
     <p:spTree>
@@ -6468,7 +6371,7 @@
 </p:sld>
 </file>
 
-<file path=ppt/slides/slide15.xml><?xml version="1.0" encoding="utf-8"?>
+<file path=ppt/slides/slide14.xml><?xml version="1.0" encoding="utf-8"?>
 <p:sld xmlns:a="http://schemas.openxmlformats.org/drawingml/2006/main" xmlns:r="http://schemas.openxmlformats.org/officeDocument/2006/relationships" xmlns:p="http://schemas.openxmlformats.org/presentationml/2006/main">
   <p:cSld>
     <p:spTree>
@@ -6528,7 +6431,7 @@
 </p:sld>
 </file>
 
-<file path=ppt/slides/slide16.xml><?xml version="1.0" encoding="utf-8"?>
+<file path=ppt/slides/slide15.xml><?xml version="1.0" encoding="utf-8"?>
 <p:sld xmlns:a="http://schemas.openxmlformats.org/drawingml/2006/main" xmlns:r="http://schemas.openxmlformats.org/officeDocument/2006/relationships" xmlns:p="http://schemas.openxmlformats.org/presentationml/2006/main">
   <p:cSld>
     <p:spTree>
@@ -6618,7 +6521,7 @@
 </p:sld>
 </file>
 
-<file path=ppt/slides/slide17.xml><?xml version="1.0" encoding="utf-8"?>
+<file path=ppt/slides/slide16.xml><?xml version="1.0" encoding="utf-8"?>
 <p:sld xmlns:a="http://schemas.openxmlformats.org/drawingml/2006/main" xmlns:r="http://schemas.openxmlformats.org/officeDocument/2006/relationships" xmlns:p="http://schemas.openxmlformats.org/presentationml/2006/main">
   <p:cSld>
     <p:spTree>
@@ -6728,7 +6631,7 @@
 </p:sld>
 </file>
 
-<file path=ppt/slides/slide18.xml><?xml version="1.0" encoding="utf-8"?>
+<file path=ppt/slides/slide17.xml><?xml version="1.0" encoding="utf-8"?>
 <p:sld xmlns:a="http://schemas.openxmlformats.org/drawingml/2006/main" xmlns:r="http://schemas.openxmlformats.org/officeDocument/2006/relationships" xmlns:p="http://schemas.openxmlformats.org/presentationml/2006/main">
   <p:cSld>
     <p:spTree>
@@ -7086,7 +6989,7 @@
                 <a:ea typeface="Intel Clear" panose="020B0604020203020204" pitchFamily="34" charset="0"/>
                 <a:cs typeface="Intel Clear" panose="020B0604020203020204" pitchFamily="34" charset="0"/>
               </a:rPr>
-              <a:t>Each bit of an opmask register corresponds to one lane/element in a vector register. For an 8bit lane we use all 64 mask bits, for 16bit lane 32 mask bits are used, for 32bit lane mask comprises of 16bits.</a:t>
+              <a:t>Each bit of an opmask register corresponds to the lane/element in a vector register. For a 8bit lane we use all 64 mask bits, for 16bit lane 32 mask bits are used, for 32bit lane mask comprises of 16bits.</a:t>
             </a:r>
             <a:br>
               <a:rPr lang="en-US" dirty="0"/>
@@ -7327,7 +7230,7 @@
           <a:p>
             <a:r>
               <a:rPr lang="en-US" dirty="0"/>
-              <a:t>Each bit of register mask corresponds to a 32-bit value. Since as per JVM specification local variable/operand size is 4 bytes. Thus, for a 64bit physical register like RAX,RDX two bits are set in register mask.  </a:t>
+              <a:t>Each bit of register mask corresponds to a 32-bit value. Since as per JVM specification local variable/operand size is 4 bytes. Thus, for a 64 bit register like RAX,RDX two bits are set in register mask.  </a:t>
             </a:r>
           </a:p>
           <a:p>
@@ -7641,7 +7544,7 @@
                 <a:ea typeface="Intel Clear" panose="020B0604020203020204" pitchFamily="34" charset="0"/>
                 <a:cs typeface="Intel Clear" panose="020B0604020203020204" pitchFamily="34" charset="0"/>
               </a:rPr>
-              <a:t>Extensions to spilling code to move values b/w opmask reg, mem and general-purpose registers appearing at src or dst positions.</a:t>
+              <a:t>Extensions to spilling code to move values b/w opmask reg, mem and general-purpose registers appearing in src or dst positions.</a:t>
             </a:r>
           </a:p>
           <a:p>
